--- a/updates/kiran/exploratory_seizure_types.pptx
+++ b/updates/kiran/exploratory_seizure_types.pptx
@@ -118,6 +118,11 @@
       </a:defRPr>
     </a:lvl9pPr>
   </p:defaultTextStyle>
+  <p:extLst>
+    <p:ext uri="{EFAFB233-063F-42B5-8137-9DF3F51BA10A}">
+      <p15:sldGuideLst xmlns:p15="http://schemas.microsoft.com/office/powerpoint/2012/main"/>
+    </p:ext>
+  </p:extLst>
 </p:presentation>
 </file>
 
@@ -268,7 +273,7 @@
           <a:p>
             <a:fld id="{82799AEF-950D-854C-A1FD-1F081D0AA533}" type="datetimeFigureOut">
               <a:rPr lang="en-US" smtClean="0"/>
-              <a:t>6/3/24</a:t>
+              <a:t>6/4/2024</a:t>
             </a:fld>
             <a:endParaRPr lang="en-US"/>
           </a:p>
@@ -466,7 +471,7 @@
           <a:p>
             <a:fld id="{82799AEF-950D-854C-A1FD-1F081D0AA533}" type="datetimeFigureOut">
               <a:rPr lang="en-US" smtClean="0"/>
-              <a:t>6/3/24</a:t>
+              <a:t>6/4/2024</a:t>
             </a:fld>
             <a:endParaRPr lang="en-US"/>
           </a:p>
@@ -674,7 +679,7 @@
           <a:p>
             <a:fld id="{82799AEF-950D-854C-A1FD-1F081D0AA533}" type="datetimeFigureOut">
               <a:rPr lang="en-US" smtClean="0"/>
-              <a:t>6/3/24</a:t>
+              <a:t>6/4/2024</a:t>
             </a:fld>
             <a:endParaRPr lang="en-US"/>
           </a:p>
@@ -872,7 +877,7 @@
           <a:p>
             <a:fld id="{82799AEF-950D-854C-A1FD-1F081D0AA533}" type="datetimeFigureOut">
               <a:rPr lang="en-US" smtClean="0"/>
-              <a:t>6/3/24</a:t>
+              <a:t>6/4/2024</a:t>
             </a:fld>
             <a:endParaRPr lang="en-US"/>
           </a:p>
@@ -1147,7 +1152,7 @@
           <a:p>
             <a:fld id="{82799AEF-950D-854C-A1FD-1F081D0AA533}" type="datetimeFigureOut">
               <a:rPr lang="en-US" smtClean="0"/>
-              <a:t>6/3/24</a:t>
+              <a:t>6/4/2024</a:t>
             </a:fld>
             <a:endParaRPr lang="en-US"/>
           </a:p>
@@ -1412,7 +1417,7 @@
           <a:p>
             <a:fld id="{82799AEF-950D-854C-A1FD-1F081D0AA533}" type="datetimeFigureOut">
               <a:rPr lang="en-US" smtClean="0"/>
-              <a:t>6/3/24</a:t>
+              <a:t>6/4/2024</a:t>
             </a:fld>
             <a:endParaRPr lang="en-US"/>
           </a:p>
@@ -1824,7 +1829,7 @@
           <a:p>
             <a:fld id="{82799AEF-950D-854C-A1FD-1F081D0AA533}" type="datetimeFigureOut">
               <a:rPr lang="en-US" smtClean="0"/>
-              <a:t>6/3/24</a:t>
+              <a:t>6/4/2024</a:t>
             </a:fld>
             <a:endParaRPr lang="en-US"/>
           </a:p>
@@ -1965,7 +1970,7 @@
           <a:p>
             <a:fld id="{82799AEF-950D-854C-A1FD-1F081D0AA533}" type="datetimeFigureOut">
               <a:rPr lang="en-US" smtClean="0"/>
-              <a:t>6/3/24</a:t>
+              <a:t>6/4/2024</a:t>
             </a:fld>
             <a:endParaRPr lang="en-US"/>
           </a:p>
@@ -2078,7 +2083,7 @@
           <a:p>
             <a:fld id="{82799AEF-950D-854C-A1FD-1F081D0AA533}" type="datetimeFigureOut">
               <a:rPr lang="en-US" smtClean="0"/>
-              <a:t>6/3/24</a:t>
+              <a:t>6/4/2024</a:t>
             </a:fld>
             <a:endParaRPr lang="en-US"/>
           </a:p>
@@ -2389,7 +2394,7 @@
           <a:p>
             <a:fld id="{82799AEF-950D-854C-A1FD-1F081D0AA533}" type="datetimeFigureOut">
               <a:rPr lang="en-US" smtClean="0"/>
-              <a:t>6/3/24</a:t>
+              <a:t>6/4/2024</a:t>
             </a:fld>
             <a:endParaRPr lang="en-US"/>
           </a:p>
@@ -2677,7 +2682,7 @@
           <a:p>
             <a:fld id="{82799AEF-950D-854C-A1FD-1F081D0AA533}" type="datetimeFigureOut">
               <a:rPr lang="en-US" smtClean="0"/>
-              <a:t>6/3/24</a:t>
+              <a:t>6/4/2024</a:t>
             </a:fld>
             <a:endParaRPr lang="en-US"/>
           </a:p>
@@ -2918,7 +2923,7 @@
           <a:p>
             <a:fld id="{82799AEF-950D-854C-A1FD-1F081D0AA533}" type="datetimeFigureOut">
               <a:rPr lang="en-US" smtClean="0"/>
-              <a:t>6/3/24</a:t>
+              <a:t>6/4/2024</a:t>
             </a:fld>
             <a:endParaRPr lang="en-US"/>
           </a:p>
@@ -3385,7 +3390,7 @@
 </file>
 
 <file path=ppt/slides/slide10.xml><?xml version="1.0" encoding="utf-8"?>
-<p:sld xmlns:a="http://schemas.openxmlformats.org/drawingml/2006/main" xmlns:r="http://schemas.openxmlformats.org/officeDocument/2006/relationships" xmlns:p="http://schemas.openxmlformats.org/presentationml/2006/main">
+<p:sld xmlns:a="http://schemas.openxmlformats.org/drawingml/2006/main" xmlns:r="http://schemas.openxmlformats.org/officeDocument/2006/relationships" xmlns:p="http://schemas.openxmlformats.org/presentationml/2006/main" show="0">
   <p:cSld>
     <p:spTree>
       <p:nvGrpSpPr>
@@ -3683,7 +3688,7 @@
 </file>
 
 <file path=ppt/slides/slide11.xml><?xml version="1.0" encoding="utf-8"?>
-<p:sld xmlns:a="http://schemas.openxmlformats.org/drawingml/2006/main" xmlns:r="http://schemas.openxmlformats.org/officeDocument/2006/relationships" xmlns:p="http://schemas.openxmlformats.org/presentationml/2006/main">
+<p:sld xmlns:a="http://schemas.openxmlformats.org/drawingml/2006/main" xmlns:r="http://schemas.openxmlformats.org/officeDocument/2006/relationships" xmlns:p="http://schemas.openxmlformats.org/presentationml/2006/main" show="0">
   <p:cSld>
     <p:spTree>
       <p:nvGrpSpPr>
@@ -5284,7 +5289,7 @@
 </file>
 
 <file path=ppt/slides/slide2.xml><?xml version="1.0" encoding="utf-8"?>
-<p:sld xmlns:a="http://schemas.openxmlformats.org/drawingml/2006/main" xmlns:r="http://schemas.openxmlformats.org/officeDocument/2006/relationships" xmlns:p="http://schemas.openxmlformats.org/presentationml/2006/main">
+<p:sld xmlns:a="http://schemas.openxmlformats.org/drawingml/2006/main" xmlns:r="http://schemas.openxmlformats.org/officeDocument/2006/relationships" xmlns:p="http://schemas.openxmlformats.org/presentationml/2006/main" show="0">
   <p:cSld>
     <p:bg>
       <p:bgPr>
@@ -7085,7 +7090,7 @@
 </file>
 
 <file path=ppt/slides/slide5.xml><?xml version="1.0" encoding="utf-8"?>
-<p:sld xmlns:a="http://schemas.openxmlformats.org/drawingml/2006/main" xmlns:r="http://schemas.openxmlformats.org/officeDocument/2006/relationships" xmlns:p="http://schemas.openxmlformats.org/presentationml/2006/main">
+<p:sld xmlns:a="http://schemas.openxmlformats.org/drawingml/2006/main" xmlns:r="http://schemas.openxmlformats.org/officeDocument/2006/relationships" xmlns:p="http://schemas.openxmlformats.org/presentationml/2006/main" show="0">
   <p:cSld>
     <p:spTree>
       <p:nvGrpSpPr>
@@ -7730,7 +7735,7 @@
 </file>
 
 <file path=ppt/slides/slide7.xml><?xml version="1.0" encoding="utf-8"?>
-<p:sld xmlns:a="http://schemas.openxmlformats.org/drawingml/2006/main" xmlns:r="http://schemas.openxmlformats.org/officeDocument/2006/relationships" xmlns:p="http://schemas.openxmlformats.org/presentationml/2006/main">
+<p:sld xmlns:a="http://schemas.openxmlformats.org/drawingml/2006/main" xmlns:r="http://schemas.openxmlformats.org/officeDocument/2006/relationships" xmlns:p="http://schemas.openxmlformats.org/presentationml/2006/main" show="0">
   <p:cSld>
     <p:spTree>
       <p:nvGrpSpPr>
@@ -8240,7 +8245,7 @@
 </file>
 
 <file path=ppt/slides/slide9.xml><?xml version="1.0" encoding="utf-8"?>
-<p:sld xmlns:a="http://schemas.openxmlformats.org/drawingml/2006/main" xmlns:r="http://schemas.openxmlformats.org/officeDocument/2006/relationships" xmlns:p="http://schemas.openxmlformats.org/presentationml/2006/main">
+<p:sld xmlns:a="http://schemas.openxmlformats.org/drawingml/2006/main" xmlns:r="http://schemas.openxmlformats.org/officeDocument/2006/relationships" xmlns:p="http://schemas.openxmlformats.org/presentationml/2006/main" show="0">
   <p:cSld>
     <p:spTree>
       <p:nvGrpSpPr>

--- a/updates/kiran/exploratory_seizure_types.pptx
+++ b/updates/kiran/exploratory_seizure_types.pptx
@@ -273,7 +273,7 @@
           <a:p>
             <a:fld id="{82799AEF-950D-854C-A1FD-1F081D0AA533}" type="datetimeFigureOut">
               <a:rPr lang="en-US" smtClean="0"/>
-              <a:t>6/4/2024</a:t>
+              <a:t>6/5/24</a:t>
             </a:fld>
             <a:endParaRPr lang="en-US"/>
           </a:p>
@@ -471,7 +471,7 @@
           <a:p>
             <a:fld id="{82799AEF-950D-854C-A1FD-1F081D0AA533}" type="datetimeFigureOut">
               <a:rPr lang="en-US" smtClean="0"/>
-              <a:t>6/4/2024</a:t>
+              <a:t>6/5/24</a:t>
             </a:fld>
             <a:endParaRPr lang="en-US"/>
           </a:p>
@@ -679,7 +679,7 @@
           <a:p>
             <a:fld id="{82799AEF-950D-854C-A1FD-1F081D0AA533}" type="datetimeFigureOut">
               <a:rPr lang="en-US" smtClean="0"/>
-              <a:t>6/4/2024</a:t>
+              <a:t>6/5/24</a:t>
             </a:fld>
             <a:endParaRPr lang="en-US"/>
           </a:p>
@@ -877,7 +877,7 @@
           <a:p>
             <a:fld id="{82799AEF-950D-854C-A1FD-1F081D0AA533}" type="datetimeFigureOut">
               <a:rPr lang="en-US" smtClean="0"/>
-              <a:t>6/4/2024</a:t>
+              <a:t>6/5/24</a:t>
             </a:fld>
             <a:endParaRPr lang="en-US"/>
           </a:p>
@@ -1152,7 +1152,7 @@
           <a:p>
             <a:fld id="{82799AEF-950D-854C-A1FD-1F081D0AA533}" type="datetimeFigureOut">
               <a:rPr lang="en-US" smtClean="0"/>
-              <a:t>6/4/2024</a:t>
+              <a:t>6/5/24</a:t>
             </a:fld>
             <a:endParaRPr lang="en-US"/>
           </a:p>
@@ -1417,7 +1417,7 @@
           <a:p>
             <a:fld id="{82799AEF-950D-854C-A1FD-1F081D0AA533}" type="datetimeFigureOut">
               <a:rPr lang="en-US" smtClean="0"/>
-              <a:t>6/4/2024</a:t>
+              <a:t>6/5/24</a:t>
             </a:fld>
             <a:endParaRPr lang="en-US"/>
           </a:p>
@@ -1829,7 +1829,7 @@
           <a:p>
             <a:fld id="{82799AEF-950D-854C-A1FD-1F081D0AA533}" type="datetimeFigureOut">
               <a:rPr lang="en-US" smtClean="0"/>
-              <a:t>6/4/2024</a:t>
+              <a:t>6/5/24</a:t>
             </a:fld>
             <a:endParaRPr lang="en-US"/>
           </a:p>
@@ -1970,7 +1970,7 @@
           <a:p>
             <a:fld id="{82799AEF-950D-854C-A1FD-1F081D0AA533}" type="datetimeFigureOut">
               <a:rPr lang="en-US" smtClean="0"/>
-              <a:t>6/4/2024</a:t>
+              <a:t>6/5/24</a:t>
             </a:fld>
             <a:endParaRPr lang="en-US"/>
           </a:p>
@@ -2083,7 +2083,7 @@
           <a:p>
             <a:fld id="{82799AEF-950D-854C-A1FD-1F081D0AA533}" type="datetimeFigureOut">
               <a:rPr lang="en-US" smtClean="0"/>
-              <a:t>6/4/2024</a:t>
+              <a:t>6/5/24</a:t>
             </a:fld>
             <a:endParaRPr lang="en-US"/>
           </a:p>
@@ -2394,7 +2394,7 @@
           <a:p>
             <a:fld id="{82799AEF-950D-854C-A1FD-1F081D0AA533}" type="datetimeFigureOut">
               <a:rPr lang="en-US" smtClean="0"/>
-              <a:t>6/4/2024</a:t>
+              <a:t>6/5/24</a:t>
             </a:fld>
             <a:endParaRPr lang="en-US"/>
           </a:p>
@@ -2682,7 +2682,7 @@
           <a:p>
             <a:fld id="{82799AEF-950D-854C-A1FD-1F081D0AA533}" type="datetimeFigureOut">
               <a:rPr lang="en-US" smtClean="0"/>
-              <a:t>6/4/2024</a:t>
+              <a:t>6/5/24</a:t>
             </a:fld>
             <a:endParaRPr lang="en-US"/>
           </a:p>
@@ -2923,7 +2923,7 @@
           <a:p>
             <a:fld id="{82799AEF-950D-854C-A1FD-1F081D0AA533}" type="datetimeFigureOut">
               <a:rPr lang="en-US" smtClean="0"/>
-              <a:t>6/4/2024</a:t>
+              <a:t>6/5/24</a:t>
             </a:fld>
             <a:endParaRPr lang="en-US"/>
           </a:p>
@@ -4685,7 +4685,7 @@
           <p:nvPr>
             <p:extLst>
               <p:ext uri="{D42A27DB-BD31-4B8C-83A1-F6EECF244321}">
-                <p14:modId xmlns:p14="http://schemas.microsoft.com/office/powerpoint/2010/main" val="4205757818"/>
+                <p14:modId xmlns:p14="http://schemas.microsoft.com/office/powerpoint/2010/main" val="3425962565"/>
               </p:ext>
             </p:extLst>
           </p:nvPr>
@@ -4884,10 +4884,7 @@
                     <a:bodyPr/>
                     <a:lstStyle/>
                     <a:p>
-                      <a:r>
-                        <a:rPr lang="en-US" sz="2300" dirty="0"/>
-                        <a:t>Not</a:t>
-                      </a:r>
+                      <a:endParaRPr lang="en-US" sz="2300" dirty="0"/>
                     </a:p>
                   </a:txBody>
                   <a:tcPr marL="116829" marR="116829" marT="58414" marB="58414"/>
@@ -5125,10 +5122,7 @@
                     <a:bodyPr/>
                     <a:lstStyle/>
                     <a:p>
-                      <a:r>
-                        <a:rPr lang="en-US" sz="2300" dirty="0"/>
-                        <a:t>Not</a:t>
-                      </a:r>
+                      <a:endParaRPr lang="en-US" sz="2300" dirty="0"/>
                     </a:p>
                   </a:txBody>
                   <a:tcPr marL="116829" marR="116829" marT="58414" marB="58414"/>
@@ -7669,7 +7663,7 @@
 </file>
 
 <file path=ppt/slides/slide6.xml><?xml version="1.0" encoding="utf-8"?>
-<p:sld xmlns:a="http://schemas.openxmlformats.org/drawingml/2006/main" xmlns:r="http://schemas.openxmlformats.org/officeDocument/2006/relationships" xmlns:p="http://schemas.openxmlformats.org/presentationml/2006/main">
+<p:sld xmlns:a="http://schemas.openxmlformats.org/drawingml/2006/main" xmlns:r="http://schemas.openxmlformats.org/officeDocument/2006/relationships" xmlns:p="http://schemas.openxmlformats.org/presentationml/2006/main" show="0">
   <p:cSld>
     <p:spTree>
       <p:nvGrpSpPr>

--- a/updates/kiran/exploratory_seizure_types.pptx
+++ b/updates/kiran/exploratory_seizure_types.pptx
@@ -4685,7 +4685,7 @@
           <p:nvPr>
             <p:extLst>
               <p:ext uri="{D42A27DB-BD31-4B8C-83A1-F6EECF244321}">
-                <p14:modId xmlns:p14="http://schemas.microsoft.com/office/powerpoint/2010/main" val="3425962565"/>
+                <p14:modId xmlns:p14="http://schemas.microsoft.com/office/powerpoint/2010/main" val="870141728"/>
               </p:ext>
             </p:extLst>
           </p:nvPr>
@@ -4814,7 +4814,7 @@
                     <a:p>
                       <a:r>
                         <a:rPr lang="en-US" sz="2300" dirty="0"/>
-                        <a:t>(-0.30, -0.55)</a:t>
+                        <a:t>(-0.55, -0.30)</a:t>
                       </a:r>
                     </a:p>
                   </a:txBody>
